--- a/org.faktorips.doc/schulung/anwendungsentwicklung2/FaktorIPS-Schulung 3-A Projekt anlegen.pptx
+++ b/org.faktorips.doc/schulung/anwendungsentwicklung2/FaktorIPS-Schulung 3-A Projekt anlegen.pptx
@@ -1046,7 +1046,7 @@
           <a:p>
             <a:fld id="{1FA3BF2F-6C13-4D0D-9637-9CE78B599739}" type="datetime1">
               <a:rPr lang="de-DE" smtClean="0"/>
-              <a:t>17.05.2013</a:t>
+              <a:t>15.04.2015</a:t>
             </a:fld>
             <a:endParaRPr lang="de-DE" dirty="0"/>
           </a:p>
@@ -2379,7 +2379,7 @@
           <a:p>
             <a:fld id="{FAFEFEB8-9AAC-4871-90BE-DE2612BFC572}" type="datetime1">
               <a:rPr lang="de-DE" smtClean="0"/>
-              <a:t>17.05.2013</a:t>
+              <a:t>15.04.2015</a:t>
             </a:fld>
             <a:endParaRPr lang="de-DE" dirty="0"/>
           </a:p>
@@ -2576,7 +2576,7 @@
           <a:p>
             <a:fld id="{79721423-C073-45B2-8739-8D2FAF261EF2}" type="datetime1">
               <a:rPr lang="de-DE" smtClean="0"/>
-              <a:t>17.05.2013</a:t>
+              <a:t>15.04.2015</a:t>
             </a:fld>
             <a:endParaRPr lang="de-DE" dirty="0"/>
           </a:p>
@@ -3518,7 +3518,7 @@
           <a:p>
             <a:fld id="{8BB1D7DF-12B3-499E-8C3E-6646A56443B5}" type="datetime1">
               <a:rPr lang="de-DE" smtClean="0"/>
-              <a:t>17.05.2013</a:t>
+              <a:t>15.04.2015</a:t>
             </a:fld>
             <a:endParaRPr lang="de-DE" dirty="0"/>
           </a:p>
@@ -3695,7 +3695,7 @@
           <a:p>
             <a:fld id="{8106A3F7-4752-491F-BF31-8D52553F0EFB}" type="datetime1">
               <a:rPr lang="de-DE" smtClean="0"/>
-              <a:t>17.05.2013</a:t>
+              <a:t>15.04.2015</a:t>
             </a:fld>
             <a:endParaRPr lang="de-DE" dirty="0"/>
           </a:p>
@@ -3900,7 +3900,7 @@
           <a:p>
             <a:fld id="{C3B1ECF1-ABB5-4F57-BF2B-6128A404875E}" type="datetime1">
               <a:rPr lang="de-DE" smtClean="0"/>
-              <a:t>17.05.2013</a:t>
+              <a:t>15.04.2015</a:t>
             </a:fld>
             <a:endParaRPr lang="de-DE" dirty="0"/>
           </a:p>
@@ -4072,7 +4072,7 @@
           <a:p>
             <a:fld id="{0BA2007B-4A87-4BC9-837D-5601C60E1BEE}" type="datetime1">
               <a:rPr lang="de-DE" smtClean="0"/>
-              <a:t>17.05.2013</a:t>
+              <a:t>15.04.2015</a:t>
             </a:fld>
             <a:endParaRPr lang="de-DE" dirty="0"/>
           </a:p>
@@ -4293,7 +4293,7 @@
           <a:p>
             <a:fld id="{C671D8E6-4D9D-485E-90C6-2934B9AA8280}" type="datetime1">
               <a:rPr lang="de-DE" smtClean="0"/>
-              <a:t>17.05.2013</a:t>
+              <a:t>15.04.2015</a:t>
             </a:fld>
             <a:endParaRPr lang="de-DE" dirty="0"/>
           </a:p>
@@ -4491,7 +4491,7 @@
           <a:p>
             <a:fld id="{FC3D53B7-4698-4906-9400-307B6D194C00}" type="datetime1">
               <a:rPr lang="de-DE" smtClean="0"/>
-              <a:t>17.05.2013</a:t>
+              <a:t>15.04.2015</a:t>
             </a:fld>
             <a:endParaRPr lang="de-DE" dirty="0"/>
           </a:p>
@@ -5758,7 +5758,7 @@
           <a:p>
             <a:fld id="{E037542F-1785-4749-A350-9F81CFBD422B}" type="datetime1">
               <a:rPr lang="de-DE" smtClean="0"/>
-              <a:t>17.05.2013</a:t>
+              <a:t>15.04.2015</a:t>
             </a:fld>
             <a:endParaRPr lang="de-DE" dirty="0"/>
           </a:p>
@@ -6746,7 +6746,7 @@
           <a:p>
             <a:fld id="{D8892D42-F09F-4E03-9E11-C6101B9D44E9}" type="datetime1">
               <a:rPr lang="de-DE" smtClean="0"/>
-              <a:t>17.05.2013</a:t>
+              <a:t>15.04.2015</a:t>
             </a:fld>
             <a:endParaRPr lang="de-DE" dirty="0"/>
           </a:p>
@@ -7317,7 +7317,7 @@
           <a:p>
             <a:fld id="{89238482-D3FB-4587-AE3E-91D35B755573}" type="datetime1">
               <a:rPr lang="de-DE" smtClean="0"/>
-              <a:t>17.05.2013</a:t>
+              <a:t>15.04.2015</a:t>
             </a:fld>
             <a:endParaRPr lang="de-DE" dirty="0"/>
           </a:p>
@@ -8808,7 +8808,7 @@
           <a:p>
             <a:fld id="{67058583-0636-4A93-B516-745152B4129B}" type="datetime1">
               <a:rPr lang="de-DE" smtClean="0"/>
-              <a:t>17.05.2013</a:t>
+              <a:t>15.04.2015</a:t>
             </a:fld>
             <a:endParaRPr lang="de-DE" dirty="0"/>
           </a:p>
@@ -9444,7 +9444,7 @@
                   <a:srgbClr val="FFFFFF"/>
                 </a:solidFill>
               </a:rPr>
-              <a:t>17.05.2013</a:t>
+              <a:t>15.04.2015</a:t>
             </a:fld>
             <a:endParaRPr lang="de-DE" dirty="0">
               <a:solidFill>
@@ -9885,11 +9885,7 @@
                       </a:pPr>
                       <a:r>
                         <a:rPr lang="de-DE" sz="1600" dirty="0" smtClean="0"/>
-                        <a:t>IV. </a:t>
-                      </a:r>
-                      <a:r>
-                        <a:rPr lang="de-DE" sz="1600" dirty="0" smtClean="0"/>
-                        <a:t>Customizing &amp; Tools</a:t>
+                        <a:t>IV. Customizing &amp; Tools</a:t>
                       </a:r>
                     </a:p>
                   </a:txBody>
@@ -10069,7 +10065,7 @@
                   <a:srgbClr val="FFFFFF"/>
                 </a:solidFill>
               </a:rPr>
-              <a:t>17.05.2013</a:t>
+              <a:t>15.04.2015</a:t>
             </a:fld>
             <a:endParaRPr lang="de-DE" dirty="0">
               <a:solidFill>
@@ -10814,7 +10810,6 @@
                         <a:rPr lang="de-DE" sz="2400" b="1" dirty="0" smtClean="0"/>
                         <a:t>III.A Projekt einrichten</a:t>
                       </a:r>
-                      <a:endParaRPr lang="de-DE" sz="2400" b="1" dirty="0" smtClean="0"/>
                     </a:p>
                   </a:txBody>
                   <a:tcPr marL="90000" marR="90000" marT="54000" marB="54000" anchor="ctr" horzOverflow="overflow">
@@ -11612,7 +11607,7 @@
           <a:p>
             <a:fld id="{6A6A0F58-3248-4E91-9C6E-2510EAD02845}" type="datetime1">
               <a:rPr lang="de-DE" smtClean="0"/>
-              <a:t>17.05.2013</a:t>
+              <a:t>15.04.2015</a:t>
             </a:fld>
             <a:endParaRPr lang="de-DE" dirty="0"/>
           </a:p>
@@ -11695,6 +11690,26 @@
               <a:rPr lang="de-DE" dirty="0" smtClean="0"/>
               <a:t>hinzufügen</a:t>
             </a:r>
+          </a:p>
+          <a:p>
+            <a:pPr lvl="1">
+              <a:buSzPct val="75000"/>
+            </a:pPr>
+            <a:endParaRPr lang="de-DE" dirty="0"/>
+          </a:p>
+          <a:p>
+            <a:pPr lvl="1">
+              <a:buSzPct val="75000"/>
+            </a:pPr>
+            <a:r>
+              <a:rPr lang="de-DE" dirty="0" smtClean="0"/>
+              <a:t>Projekteinstellungen: Alle unnötigen </a:t>
+            </a:r>
+            <a:r>
+              <a:rPr lang="de-DE" smtClean="0"/>
+              <a:t>Generator-Optionen deaktivieren</a:t>
+            </a:r>
+            <a:endParaRPr lang="de-DE" dirty="0" smtClean="0"/>
           </a:p>
           <a:p>
             <a:pPr lvl="1">
@@ -11792,7 +11807,7 @@
           <a:p>
             <a:fld id="{6E06353F-7182-4676-9AA3-860F7A015B99}" type="datetime1">
               <a:rPr lang="de-DE" smtClean="0"/>
-              <a:t>17.05.2013</a:t>
+              <a:t>15.04.2015</a:t>
             </a:fld>
             <a:endParaRPr lang="de-DE" dirty="0"/>
           </a:p>
@@ -11944,7 +11959,7 @@
           <a:p>
             <a:fld id="{12D54841-07B3-41DD-B91A-3898ACFA2346}" type="datetime1">
               <a:rPr lang="de-DE" smtClean="0"/>
-              <a:t>17.05.2013</a:t>
+              <a:t>15.04.2015</a:t>
             </a:fld>
             <a:endParaRPr lang="de-DE" dirty="0"/>
           </a:p>
@@ -12615,7 +12630,7 @@
           <a:p>
             <a:fld id="{6B7D8EE2-9E75-45E0-975B-037DCEB373C7}" type="datetime1">
               <a:rPr lang="de-DE" smtClean="0"/>
-              <a:t>17.05.2013</a:t>
+              <a:t>15.04.2015</a:t>
             </a:fld>
             <a:endParaRPr lang="de-DE" dirty="0"/>
           </a:p>
